--- a/ShitIWishIKnew.pptx
+++ b/ShitIWishIKnew.pptx
@@ -6,18 +6,23 @@
   </p:sldMasterIdLst>
   <p:sldIdLst>
     <p:sldId id="256" r:id="rId2"/>
-    <p:sldId id="257" r:id="rId3"/>
-    <p:sldId id="258" r:id="rId4"/>
-    <p:sldId id="259" r:id="rId5"/>
-    <p:sldId id="260" r:id="rId6"/>
-    <p:sldId id="261" r:id="rId7"/>
-    <p:sldId id="268" r:id="rId8"/>
-    <p:sldId id="262" r:id="rId9"/>
-    <p:sldId id="265" r:id="rId10"/>
-    <p:sldId id="266" r:id="rId11"/>
-    <p:sldId id="263" r:id="rId12"/>
-    <p:sldId id="264" r:id="rId13"/>
-    <p:sldId id="267" r:id="rId14"/>
+    <p:sldId id="271" r:id="rId3"/>
+    <p:sldId id="257" r:id="rId4"/>
+    <p:sldId id="258" r:id="rId5"/>
+    <p:sldId id="259" r:id="rId6"/>
+    <p:sldId id="260" r:id="rId7"/>
+    <p:sldId id="261" r:id="rId8"/>
+    <p:sldId id="275" r:id="rId9"/>
+    <p:sldId id="270" r:id="rId10"/>
+    <p:sldId id="268" r:id="rId11"/>
+    <p:sldId id="269" r:id="rId12"/>
+    <p:sldId id="272" r:id="rId13"/>
+    <p:sldId id="262" r:id="rId14"/>
+    <p:sldId id="273" r:id="rId15"/>
+    <p:sldId id="274" r:id="rId16"/>
+    <p:sldId id="266" r:id="rId17"/>
+    <p:sldId id="264" r:id="rId18"/>
+    <p:sldId id="267" r:id="rId19"/>
   </p:sldIdLst>
   <p:sldSz cx="12192000" cy="6858000"/>
   <p:notesSz cx="6858000" cy="9144000"/>
@@ -116,6 +121,11 @@
       </a:defRPr>
     </a:lvl9pPr>
   </p:defaultTextStyle>
+  <p:extLst>
+    <p:ext uri="{EFAFB233-063F-42B5-8137-9DF3F51BA10A}">
+      <p15:sldGuideLst xmlns:p15="http://schemas.microsoft.com/office/powerpoint/2012/main"/>
+    </p:ext>
+  </p:extLst>
 </p:presentation>
 </file>
 
@@ -311,7 +321,7 @@
           <a:p>
             <a:fld id="{2381A944-D2E7-4F61-9ACB-05E2C8C7E213}" type="datetimeFigureOut">
               <a:rPr lang="en-US" smtClean="0"/>
-              <a:t>10/15/2024</a:t>
+              <a:t>6/20/2025</a:t>
             </a:fld>
             <a:endParaRPr lang="en-US"/>
           </a:p>
@@ -509,7 +519,7 @@
           <a:p>
             <a:fld id="{2381A944-D2E7-4F61-9ACB-05E2C8C7E213}" type="datetimeFigureOut">
               <a:rPr lang="en-US" smtClean="0"/>
-              <a:t>10/15/2024</a:t>
+              <a:t>6/20/2025</a:t>
             </a:fld>
             <a:endParaRPr lang="en-US"/>
           </a:p>
@@ -717,7 +727,7 @@
           <a:p>
             <a:fld id="{2381A944-D2E7-4F61-9ACB-05E2C8C7E213}" type="datetimeFigureOut">
               <a:rPr lang="en-US" smtClean="0"/>
-              <a:t>10/15/2024</a:t>
+              <a:t>6/20/2025</a:t>
             </a:fld>
             <a:endParaRPr lang="en-US"/>
           </a:p>
@@ -915,7 +925,7 @@
           <a:p>
             <a:fld id="{2381A944-D2E7-4F61-9ACB-05E2C8C7E213}" type="datetimeFigureOut">
               <a:rPr lang="en-US" smtClean="0"/>
-              <a:t>10/15/2024</a:t>
+              <a:t>6/20/2025</a:t>
             </a:fld>
             <a:endParaRPr lang="en-US"/>
           </a:p>
@@ -1190,7 +1200,7 @@
           <a:p>
             <a:fld id="{2381A944-D2E7-4F61-9ACB-05E2C8C7E213}" type="datetimeFigureOut">
               <a:rPr lang="en-US" smtClean="0"/>
-              <a:t>10/15/2024</a:t>
+              <a:t>6/20/2025</a:t>
             </a:fld>
             <a:endParaRPr lang="en-US"/>
           </a:p>
@@ -1455,7 +1465,7 @@
           <a:p>
             <a:fld id="{2381A944-D2E7-4F61-9ACB-05E2C8C7E213}" type="datetimeFigureOut">
               <a:rPr lang="en-US" smtClean="0"/>
-              <a:t>10/15/2024</a:t>
+              <a:t>6/20/2025</a:t>
             </a:fld>
             <a:endParaRPr lang="en-US"/>
           </a:p>
@@ -1867,7 +1877,7 @@
           <a:p>
             <a:fld id="{2381A944-D2E7-4F61-9ACB-05E2C8C7E213}" type="datetimeFigureOut">
               <a:rPr lang="en-US" smtClean="0"/>
-              <a:t>10/15/2024</a:t>
+              <a:t>6/20/2025</a:t>
             </a:fld>
             <a:endParaRPr lang="en-US"/>
           </a:p>
@@ -2008,7 +2018,7 @@
           <a:p>
             <a:fld id="{2381A944-D2E7-4F61-9ACB-05E2C8C7E213}" type="datetimeFigureOut">
               <a:rPr lang="en-US" smtClean="0"/>
-              <a:t>10/15/2024</a:t>
+              <a:t>6/20/2025</a:t>
             </a:fld>
             <a:endParaRPr lang="en-US"/>
           </a:p>
@@ -2121,7 +2131,7 @@
           <a:p>
             <a:fld id="{2381A944-D2E7-4F61-9ACB-05E2C8C7E213}" type="datetimeFigureOut">
               <a:rPr lang="en-US" smtClean="0"/>
-              <a:t>10/15/2024</a:t>
+              <a:t>6/20/2025</a:t>
             </a:fld>
             <a:endParaRPr lang="en-US"/>
           </a:p>
@@ -2432,7 +2442,7 @@
           <a:p>
             <a:fld id="{2381A944-D2E7-4F61-9ACB-05E2C8C7E213}" type="datetimeFigureOut">
               <a:rPr lang="en-US" smtClean="0"/>
-              <a:t>10/15/2024</a:t>
+              <a:t>6/20/2025</a:t>
             </a:fld>
             <a:endParaRPr lang="en-US"/>
           </a:p>
@@ -2720,7 +2730,7 @@
           <a:p>
             <a:fld id="{2381A944-D2E7-4F61-9ACB-05E2C8C7E213}" type="datetimeFigureOut">
               <a:rPr lang="en-US" smtClean="0"/>
-              <a:t>10/15/2024</a:t>
+              <a:t>6/20/2025</a:t>
             </a:fld>
             <a:endParaRPr lang="en-US"/>
           </a:p>
@@ -2961,7 +2971,7 @@
           <a:p>
             <a:fld id="{2381A944-D2E7-4F61-9ACB-05E2C8C7E213}" type="datetimeFigureOut">
               <a:rPr lang="en-US" smtClean="0"/>
-              <a:t>10/15/2024</a:t>
+              <a:t>6/20/2025</a:t>
             </a:fld>
             <a:endParaRPr lang="en-US"/>
           </a:p>
@@ -3487,7 +3497,7 @@
           <a:p>
             <a:r>
               <a:rPr lang="en-US" dirty="0"/>
-              <a:t>Formal Learning (Degrees)</a:t>
+              <a:t>Adaptability</a:t>
             </a:r>
           </a:p>
         </p:txBody>
@@ -3515,39 +3525,27 @@
           <a:p>
             <a:r>
               <a:rPr lang="en-US" dirty="0"/>
-              <a:t>Associates: 	Good Survey, Basic Skills</a:t>
-            </a:r>
-          </a:p>
-          <a:p>
-            <a:r>
-              <a:rPr lang="en-US" dirty="0"/>
-              <a:t>Bachelors:	Contextualize, Bigger Picture, Critical Thought</a:t>
-            </a:r>
-          </a:p>
-          <a:p>
-            <a:r>
-              <a:rPr lang="en-US" dirty="0"/>
-              <a:t>Masters:		Research, Less Application, </a:t>
-            </a:r>
-          </a:p>
-          <a:p>
-            <a:r>
-              <a:rPr lang="en-US" dirty="0"/>
-              <a:t>Doctorate:	Specialized, Narrow, Create New Research</a:t>
-            </a:r>
-          </a:p>
-          <a:p>
-            <a:endParaRPr lang="en-US" dirty="0"/>
-          </a:p>
-          <a:p>
-            <a:endParaRPr lang="en-US" dirty="0"/>
+              <a:t>Being the smartest person in the room is pointless if you’re the only one who knows it and you constantly tell everyone else.</a:t>
+            </a:r>
+          </a:p>
+          <a:p>
+            <a:r>
+              <a:rPr lang="en-US" dirty="0"/>
+              <a:t>Read what’s going on around you and respond to the vibe.</a:t>
+            </a:r>
+          </a:p>
+          <a:p>
+            <a:r>
+              <a:rPr lang="en-US" dirty="0"/>
+              <a:t>Be adaptable, shift your schedule, your bias, your belief, etc.</a:t>
+            </a:r>
           </a:p>
         </p:txBody>
       </p:sp>
     </p:spTree>
     <p:extLst>
       <p:ext uri="{BB962C8B-B14F-4D97-AF65-F5344CB8AC3E}">
-        <p14:creationId xmlns:p14="http://schemas.microsoft.com/office/powerpoint/2010/main" val="2742798046"/>
+        <p14:creationId xmlns:p14="http://schemas.microsoft.com/office/powerpoint/2010/main" val="3901884574"/>
       </p:ext>
     </p:extLst>
   </p:cSld>
@@ -3562,7 +3560,13 @@
   <p:cSld>
     <p:spTree>
       <p:nvGrpSpPr>
-        <p:cNvPr id="1" name=""/>
+        <p:cNvPr id="1" name="">
+          <a:extLst>
+            <a:ext uri="{FF2B5EF4-FFF2-40B4-BE49-F238E27FC236}">
+              <a16:creationId xmlns:a16="http://schemas.microsoft.com/office/drawing/2014/main" id="{856AB6AE-CE98-9D74-CA40-CFAD407518BB}"/>
+            </a:ext>
+          </a:extLst>
+        </p:cNvPr>
         <p:cNvGrpSpPr/>
         <p:nvPr/>
       </p:nvGrpSpPr>
@@ -3579,7 +3583,7 @@
           <p:cNvPr id="2" name="Title 1">
             <a:extLst>
               <a:ext uri="{FF2B5EF4-FFF2-40B4-BE49-F238E27FC236}">
-                <a16:creationId xmlns:a16="http://schemas.microsoft.com/office/drawing/2014/main" id="{F37118A6-7CB4-E51E-5C84-E9B7EFB8230E}"/>
+                <a16:creationId xmlns:a16="http://schemas.microsoft.com/office/drawing/2014/main" id="{1F5E7AC1-F366-D050-3BBC-14844CDE38BB}"/>
               </a:ext>
             </a:extLst>
           </p:cNvPr>
@@ -3597,7 +3601,7 @@
           <a:p>
             <a:r>
               <a:rPr lang="en-US" dirty="0"/>
-              <a:t>Gift Idea</a:t>
+              <a:t>Connect</a:t>
             </a:r>
           </a:p>
         </p:txBody>
@@ -3607,7 +3611,7 @@
           <p:cNvPr id="3" name="Content Placeholder 2">
             <a:extLst>
               <a:ext uri="{FF2B5EF4-FFF2-40B4-BE49-F238E27FC236}">
-                <a16:creationId xmlns:a16="http://schemas.microsoft.com/office/drawing/2014/main" id="{7F99F6B6-74A7-B26C-F683-A4CBF8BAF7AB}"/>
+                <a16:creationId xmlns:a16="http://schemas.microsoft.com/office/drawing/2014/main" id="{C2159FC1-0B41-03B9-4004-13B487DB95D6}"/>
               </a:ext>
             </a:extLst>
           </p:cNvPr>
@@ -3625,7 +3629,34 @@
           <a:p>
             <a:r>
               <a:rPr lang="en-US" dirty="0"/>
-              <a:t>Ask for O’Reilly Books</a:t>
+              <a:t>Be social and connect in the way that fits your style.</a:t>
+            </a:r>
+          </a:p>
+          <a:p>
+            <a:r>
+              <a:rPr lang="en-US" dirty="0"/>
+              <a:t>Don’t be pressured to adapt and be like everyone else.</a:t>
+            </a:r>
+          </a:p>
+          <a:p>
+            <a:r>
+              <a:rPr lang="en-US" dirty="0"/>
+              <a:t>Don’t EVER feel comfortable being pressured to social drink at a function if it’s not your thing. Seriously.</a:t>
+            </a:r>
+          </a:p>
+          <a:p>
+            <a:endParaRPr lang="en-US" dirty="0"/>
+          </a:p>
+          <a:p>
+            <a:r>
+              <a:rPr lang="en-US" dirty="0"/>
+              <a:t>Introverts fewer in network, but connections are deep.</a:t>
+            </a:r>
+          </a:p>
+          <a:p>
+            <a:r>
+              <a:rPr lang="en-US" dirty="0"/>
+              <a:t>Extroverts have connections, but may be surface level.</a:t>
             </a:r>
           </a:p>
           <a:p>
@@ -3639,7 +3670,7 @@
     </p:spTree>
     <p:extLst>
       <p:ext uri="{BB962C8B-B14F-4D97-AF65-F5344CB8AC3E}">
-        <p14:creationId xmlns:p14="http://schemas.microsoft.com/office/powerpoint/2010/main" val="3229010834"/>
+        <p14:creationId xmlns:p14="http://schemas.microsoft.com/office/powerpoint/2010/main" val="2958605566"/>
       </p:ext>
     </p:extLst>
   </p:cSld>
@@ -3654,7 +3685,13 @@
   <p:cSld>
     <p:spTree>
       <p:nvGrpSpPr>
-        <p:cNvPr id="1" name=""/>
+        <p:cNvPr id="1" name="">
+          <a:extLst>
+            <a:ext uri="{FF2B5EF4-FFF2-40B4-BE49-F238E27FC236}">
+              <a16:creationId xmlns:a16="http://schemas.microsoft.com/office/drawing/2014/main" id="{745A02BC-857D-D271-3261-F0DF7AEB8CB3}"/>
+            </a:ext>
+          </a:extLst>
+        </p:cNvPr>
         <p:cNvGrpSpPr/>
         <p:nvPr/>
       </p:nvGrpSpPr>
@@ -3671,7 +3708,7 @@
           <p:cNvPr id="2" name="Title 1">
             <a:extLst>
               <a:ext uri="{FF2B5EF4-FFF2-40B4-BE49-F238E27FC236}">
-                <a16:creationId xmlns:a16="http://schemas.microsoft.com/office/drawing/2014/main" id="{F37118A6-7CB4-E51E-5C84-E9B7EFB8230E}"/>
+                <a16:creationId xmlns:a16="http://schemas.microsoft.com/office/drawing/2014/main" id="{40A0990D-2A43-A502-5460-71F4E6710B2A}"/>
               </a:ext>
             </a:extLst>
           </p:cNvPr>
@@ -3689,7 +3726,7 @@
           <a:p>
             <a:r>
               <a:rPr lang="en-US" dirty="0"/>
-              <a:t>Use AI (Paid is Better)</a:t>
+              <a:t>Use Your Student (Recent Grad) Status</a:t>
             </a:r>
           </a:p>
         </p:txBody>
@@ -3699,7 +3736,7 @@
           <p:cNvPr id="3" name="Content Placeholder 2">
             <a:extLst>
               <a:ext uri="{FF2B5EF4-FFF2-40B4-BE49-F238E27FC236}">
-                <a16:creationId xmlns:a16="http://schemas.microsoft.com/office/drawing/2014/main" id="{7F99F6B6-74A7-B26C-F683-A4CBF8BAF7AB}"/>
+                <a16:creationId xmlns:a16="http://schemas.microsoft.com/office/drawing/2014/main" id="{C2BCD60C-E31D-2195-88FD-49332E3AB915}"/>
               </a:ext>
             </a:extLst>
           </p:cNvPr>
@@ -3717,33 +3754,38 @@
           <a:p>
             <a:r>
               <a:rPr lang="en-US" dirty="0"/>
-              <a:t>Perplexity : Solid Research</a:t>
-            </a:r>
-          </a:p>
-          <a:p>
-            <a:r>
-              <a:rPr lang="en-US" dirty="0"/>
-              <a:t>Copilot : Nice for Code</a:t>
-            </a:r>
-          </a:p>
-          <a:p>
-            <a:r>
-              <a:rPr lang="en-US" dirty="0"/>
-              <a:t>ChatGPT : Good Balanced, Complete</a:t>
-            </a:r>
-          </a:p>
-          <a:p>
-            <a:r>
-              <a:rPr lang="en-US" dirty="0"/>
-              <a:t>Claude : Writing</a:t>
-            </a:r>
+              <a:t>People want to help YOU!</a:t>
+            </a:r>
+          </a:p>
+          <a:p>
+            <a:r>
+              <a:rPr lang="en-US" dirty="0"/>
+              <a:t>“Hi my name is _______, I’m a student at _______. I’ve heard great things about what your organization is doing and would love to hear more about </a:t>
+            </a:r>
+            <a:r>
+              <a:rPr lang="en-US" u="sng" dirty="0"/>
+              <a:t>(their favorite or recent initiative)</a:t>
+            </a:r>
+            <a:r>
+              <a:rPr lang="en-US" dirty="0"/>
+              <a:t>.</a:t>
+            </a:r>
+          </a:p>
+          <a:p>
+            <a:r>
+              <a:rPr lang="en-US" dirty="0"/>
+              <a:t>I’ve had students connect with Fortune 1000 C Levels using this approach.</a:t>
+            </a:r>
+          </a:p>
+          <a:p>
+            <a:endParaRPr lang="en-US" dirty="0"/>
           </a:p>
         </p:txBody>
       </p:sp>
     </p:spTree>
     <p:extLst>
       <p:ext uri="{BB962C8B-B14F-4D97-AF65-F5344CB8AC3E}">
-        <p14:creationId xmlns:p14="http://schemas.microsoft.com/office/powerpoint/2010/main" val="482412931"/>
+        <p14:creationId xmlns:p14="http://schemas.microsoft.com/office/powerpoint/2010/main" val="3443884014"/>
       </p:ext>
     </p:extLst>
   </p:cSld>
@@ -3775,6 +3817,570 @@
           <p:cNvPr id="2" name="Title 1">
             <a:extLst>
               <a:ext uri="{FF2B5EF4-FFF2-40B4-BE49-F238E27FC236}">
+                <a16:creationId xmlns:a16="http://schemas.microsoft.com/office/drawing/2014/main" id="{F37118A6-7CB4-E51E-5C84-E9B7EFB8230E}"/>
+              </a:ext>
+            </a:extLst>
+          </p:cNvPr>
+          <p:cNvSpPr>
+            <a:spLocks noGrp="1"/>
+          </p:cNvSpPr>
+          <p:nvPr>
+            <p:ph type="title"/>
+          </p:nvPr>
+        </p:nvSpPr>
+        <p:spPr/>
+        <p:txBody>
+          <a:bodyPr/>
+          <a:lstStyle/>
+          <a:p>
+            <a:r>
+              <a:rPr lang="en-US" dirty="0"/>
+              <a:t>Do</a:t>
+            </a:r>
+          </a:p>
+        </p:txBody>
+      </p:sp>
+      <p:sp>
+        <p:nvSpPr>
+          <p:cNvPr id="3" name="Content Placeholder 2">
+            <a:extLst>
+              <a:ext uri="{FF2B5EF4-FFF2-40B4-BE49-F238E27FC236}">
+                <a16:creationId xmlns:a16="http://schemas.microsoft.com/office/drawing/2014/main" id="{7F99F6B6-74A7-B26C-F683-A4CBF8BAF7AB}"/>
+              </a:ext>
+            </a:extLst>
+          </p:cNvPr>
+          <p:cNvSpPr>
+            <a:spLocks noGrp="1"/>
+          </p:cNvSpPr>
+          <p:nvPr>
+            <p:ph idx="1"/>
+          </p:nvPr>
+        </p:nvSpPr>
+        <p:spPr/>
+        <p:txBody>
+          <a:bodyPr/>
+          <a:lstStyle/>
+          <a:p>
+            <a:r>
+              <a:rPr lang="en-US" dirty="0"/>
+              <a:t>Learn (formal and informal)</a:t>
+            </a:r>
+          </a:p>
+          <a:p>
+            <a:r>
+              <a:rPr lang="en-US" dirty="0"/>
+              <a:t>Participate (local events, cons &amp; Meetups)</a:t>
+            </a:r>
+          </a:p>
+          <a:p>
+            <a:r>
+              <a:rPr lang="en-US" dirty="0"/>
+              <a:t>Experiment and Try Things (in a safe manner)</a:t>
+            </a:r>
+          </a:p>
+          <a:p>
+            <a:r>
+              <a:rPr lang="en-US" dirty="0"/>
+              <a:t>Ask why</a:t>
+            </a:r>
+          </a:p>
+          <a:p>
+            <a:r>
+              <a:rPr lang="en-US" dirty="0"/>
+              <a:t>Be transparent and share what you’re doing:</a:t>
+            </a:r>
+          </a:p>
+          <a:p>
+            <a:pPr lvl="1"/>
+            <a:r>
+              <a:rPr lang="en-US" dirty="0"/>
+              <a:t>LinkedIn</a:t>
+            </a:r>
+          </a:p>
+          <a:p>
+            <a:pPr lvl="1"/>
+            <a:r>
+              <a:rPr lang="en-US" dirty="0" err="1"/>
+              <a:t>Github</a:t>
+            </a:r>
+            <a:endParaRPr lang="en-US" dirty="0"/>
+          </a:p>
+          <a:p>
+            <a:r>
+              <a:rPr lang="en-US" dirty="0"/>
+              <a:t>Compete: competitions, clubs – both organized and independent.</a:t>
+            </a:r>
+          </a:p>
+          <a:p>
+            <a:endParaRPr lang="en-US" dirty="0"/>
+          </a:p>
+          <a:p>
+            <a:endParaRPr lang="en-US" dirty="0"/>
+          </a:p>
+        </p:txBody>
+      </p:sp>
+    </p:spTree>
+    <p:extLst>
+      <p:ext uri="{BB962C8B-B14F-4D97-AF65-F5344CB8AC3E}">
+        <p14:creationId xmlns:p14="http://schemas.microsoft.com/office/powerpoint/2010/main" val="2327544377"/>
+      </p:ext>
+    </p:extLst>
+  </p:cSld>
+  <p:clrMapOvr>
+    <a:masterClrMapping/>
+  </p:clrMapOvr>
+</p:sld>
+</file>
+
+<file path=ppt/slides/slide14.xml><?xml version="1.0" encoding="utf-8"?>
+<p:sld xmlns:a="http://schemas.openxmlformats.org/drawingml/2006/main" xmlns:r="http://schemas.openxmlformats.org/officeDocument/2006/relationships" xmlns:p="http://schemas.openxmlformats.org/presentationml/2006/main">
+  <p:cSld>
+    <p:spTree>
+      <p:nvGrpSpPr>
+        <p:cNvPr id="1" name="">
+          <a:extLst>
+            <a:ext uri="{FF2B5EF4-FFF2-40B4-BE49-F238E27FC236}">
+              <a16:creationId xmlns:a16="http://schemas.microsoft.com/office/drawing/2014/main" id="{B895F9F9-D766-12C3-D15C-957C6E4D99B3}"/>
+            </a:ext>
+          </a:extLst>
+        </p:cNvPr>
+        <p:cNvGrpSpPr/>
+        <p:nvPr/>
+      </p:nvGrpSpPr>
+      <p:grpSpPr>
+        <a:xfrm>
+          <a:off x="0" y="0"/>
+          <a:ext cx="0" cy="0"/>
+          <a:chOff x="0" y="0"/>
+          <a:chExt cx="0" cy="0"/>
+        </a:xfrm>
+      </p:grpSpPr>
+      <p:sp>
+        <p:nvSpPr>
+          <p:cNvPr id="2" name="Title 1">
+            <a:extLst>
+              <a:ext uri="{FF2B5EF4-FFF2-40B4-BE49-F238E27FC236}">
+                <a16:creationId xmlns:a16="http://schemas.microsoft.com/office/drawing/2014/main" id="{14F03D42-F0FA-620C-D699-FD1EE4BB91B5}"/>
+              </a:ext>
+            </a:extLst>
+          </p:cNvPr>
+          <p:cNvSpPr>
+            <a:spLocks noGrp="1"/>
+          </p:cNvSpPr>
+          <p:nvPr>
+            <p:ph type="title"/>
+          </p:nvPr>
+        </p:nvSpPr>
+        <p:spPr/>
+        <p:txBody>
+          <a:bodyPr/>
+          <a:lstStyle/>
+          <a:p>
+            <a:r>
+              <a:rPr lang="en-US" dirty="0"/>
+              <a:t>The Ask …</a:t>
+            </a:r>
+          </a:p>
+        </p:txBody>
+      </p:sp>
+      <p:sp>
+        <p:nvSpPr>
+          <p:cNvPr id="3" name="Content Placeholder 2">
+            <a:extLst>
+              <a:ext uri="{FF2B5EF4-FFF2-40B4-BE49-F238E27FC236}">
+                <a16:creationId xmlns:a16="http://schemas.microsoft.com/office/drawing/2014/main" id="{5AF37AFB-FDF6-BFC7-02D1-B9372D8056D0}"/>
+              </a:ext>
+            </a:extLst>
+          </p:cNvPr>
+          <p:cNvSpPr>
+            <a:spLocks noGrp="1"/>
+          </p:cNvSpPr>
+          <p:nvPr>
+            <p:ph idx="1"/>
+          </p:nvPr>
+        </p:nvSpPr>
+        <p:spPr/>
+        <p:txBody>
+          <a:bodyPr/>
+          <a:lstStyle/>
+          <a:p>
+            <a:r>
+              <a:rPr lang="en-US" dirty="0"/>
+              <a:t>In every interaction, before you ask, always think about what you can give.</a:t>
+            </a:r>
+          </a:p>
+          <a:p>
+            <a:r>
+              <a:rPr lang="en-US" dirty="0"/>
+              <a:t>Some of the best mentors I had helped me, because I helped them. Look for ways to trade an hour, for an hour.</a:t>
+            </a:r>
+          </a:p>
+        </p:txBody>
+      </p:sp>
+    </p:spTree>
+    <p:extLst>
+      <p:ext uri="{BB962C8B-B14F-4D97-AF65-F5344CB8AC3E}">
+        <p14:creationId xmlns:p14="http://schemas.microsoft.com/office/powerpoint/2010/main" val="1599088031"/>
+      </p:ext>
+    </p:extLst>
+  </p:cSld>
+  <p:clrMapOvr>
+    <a:masterClrMapping/>
+  </p:clrMapOvr>
+</p:sld>
+</file>
+
+<file path=ppt/slides/slide15.xml><?xml version="1.0" encoding="utf-8"?>
+<p:sld xmlns:a="http://schemas.openxmlformats.org/drawingml/2006/main" xmlns:r="http://schemas.openxmlformats.org/officeDocument/2006/relationships" xmlns:p="http://schemas.openxmlformats.org/presentationml/2006/main">
+  <p:cSld>
+    <p:spTree>
+      <p:nvGrpSpPr>
+        <p:cNvPr id="1" name="">
+          <a:extLst>
+            <a:ext uri="{FF2B5EF4-FFF2-40B4-BE49-F238E27FC236}">
+              <a16:creationId xmlns:a16="http://schemas.microsoft.com/office/drawing/2014/main" id="{2673F2A2-B2B3-EB34-DBDA-2163BBE69149}"/>
+            </a:ext>
+          </a:extLst>
+        </p:cNvPr>
+        <p:cNvGrpSpPr/>
+        <p:nvPr/>
+      </p:nvGrpSpPr>
+      <p:grpSpPr>
+        <a:xfrm>
+          <a:off x="0" y="0"/>
+          <a:ext cx="0" cy="0"/>
+          <a:chOff x="0" y="0"/>
+          <a:chExt cx="0" cy="0"/>
+        </a:xfrm>
+      </p:grpSpPr>
+      <p:sp>
+        <p:nvSpPr>
+          <p:cNvPr id="2" name="Title 1">
+            <a:extLst>
+              <a:ext uri="{FF2B5EF4-FFF2-40B4-BE49-F238E27FC236}">
+                <a16:creationId xmlns:a16="http://schemas.microsoft.com/office/drawing/2014/main" id="{C47A2A50-570F-E3BC-EDC1-990A3FD300EE}"/>
+              </a:ext>
+            </a:extLst>
+          </p:cNvPr>
+          <p:cNvSpPr>
+            <a:spLocks noGrp="1"/>
+          </p:cNvSpPr>
+          <p:nvPr>
+            <p:ph type="title"/>
+          </p:nvPr>
+        </p:nvSpPr>
+        <p:spPr/>
+        <p:txBody>
+          <a:bodyPr/>
+          <a:lstStyle/>
+          <a:p>
+            <a:r>
+              <a:rPr lang="en-US" dirty="0"/>
+              <a:t>Seeing Leaders</a:t>
+            </a:r>
+          </a:p>
+        </p:txBody>
+      </p:sp>
+      <p:sp>
+        <p:nvSpPr>
+          <p:cNvPr id="3" name="Content Placeholder 2">
+            <a:extLst>
+              <a:ext uri="{FF2B5EF4-FFF2-40B4-BE49-F238E27FC236}">
+                <a16:creationId xmlns:a16="http://schemas.microsoft.com/office/drawing/2014/main" id="{583DA342-0473-E702-23D4-A71FE5DCABA9}"/>
+              </a:ext>
+            </a:extLst>
+          </p:cNvPr>
+          <p:cNvSpPr>
+            <a:spLocks noGrp="1"/>
+          </p:cNvSpPr>
+          <p:nvPr>
+            <p:ph idx="1"/>
+          </p:nvPr>
+        </p:nvSpPr>
+        <p:spPr/>
+        <p:txBody>
+          <a:bodyPr/>
+          <a:lstStyle/>
+          <a:p>
+            <a:r>
+              <a:rPr lang="en-US" dirty="0"/>
+              <a:t>John Maxwell wrote of Authentic Leadership – look for leaders in unique and non-standard places.</a:t>
+            </a:r>
+          </a:p>
+          <a:p>
+            <a:pPr lvl="1"/>
+            <a:r>
+              <a:rPr lang="en-US" dirty="0"/>
+              <a:t>Thinking about volunteers, if I can get a dozen people united around a cause together – I lead with a different type of leadership than if I can only use command authority.</a:t>
+            </a:r>
+          </a:p>
+          <a:p>
+            <a:endParaRPr lang="en-US" dirty="0"/>
+          </a:p>
+        </p:txBody>
+      </p:sp>
+    </p:spTree>
+    <p:extLst>
+      <p:ext uri="{BB962C8B-B14F-4D97-AF65-F5344CB8AC3E}">
+        <p14:creationId xmlns:p14="http://schemas.microsoft.com/office/powerpoint/2010/main" val="2383145482"/>
+      </p:ext>
+    </p:extLst>
+  </p:cSld>
+  <p:clrMapOvr>
+    <a:masterClrMapping/>
+  </p:clrMapOvr>
+</p:sld>
+</file>
+
+<file path=ppt/slides/slide16.xml><?xml version="1.0" encoding="utf-8"?>
+<p:sld xmlns:a="http://schemas.openxmlformats.org/drawingml/2006/main" xmlns:r="http://schemas.openxmlformats.org/officeDocument/2006/relationships" xmlns:p="http://schemas.openxmlformats.org/presentationml/2006/main">
+  <p:cSld>
+    <p:spTree>
+      <p:nvGrpSpPr>
+        <p:cNvPr id="1" name=""/>
+        <p:cNvGrpSpPr/>
+        <p:nvPr/>
+      </p:nvGrpSpPr>
+      <p:grpSpPr>
+        <a:xfrm>
+          <a:off x="0" y="0"/>
+          <a:ext cx="0" cy="0"/>
+          <a:chOff x="0" y="0"/>
+          <a:chExt cx="0" cy="0"/>
+        </a:xfrm>
+      </p:grpSpPr>
+      <p:sp>
+        <p:nvSpPr>
+          <p:cNvPr id="2" name="Title 1">
+            <a:extLst>
+              <a:ext uri="{FF2B5EF4-FFF2-40B4-BE49-F238E27FC236}">
+                <a16:creationId xmlns:a16="http://schemas.microsoft.com/office/drawing/2014/main" id="{F37118A6-7CB4-E51E-5C84-E9B7EFB8230E}"/>
+              </a:ext>
+            </a:extLst>
+          </p:cNvPr>
+          <p:cNvSpPr>
+            <a:spLocks noGrp="1"/>
+          </p:cNvSpPr>
+          <p:nvPr>
+            <p:ph type="title"/>
+          </p:nvPr>
+        </p:nvSpPr>
+        <p:spPr/>
+        <p:txBody>
+          <a:bodyPr/>
+          <a:lstStyle/>
+          <a:p>
+            <a:r>
+              <a:rPr lang="en-US" dirty="0"/>
+              <a:t>Formal Learning (Degrees)</a:t>
+            </a:r>
+          </a:p>
+        </p:txBody>
+      </p:sp>
+      <p:sp>
+        <p:nvSpPr>
+          <p:cNvPr id="3" name="Content Placeholder 2">
+            <a:extLst>
+              <a:ext uri="{FF2B5EF4-FFF2-40B4-BE49-F238E27FC236}">
+                <a16:creationId xmlns:a16="http://schemas.microsoft.com/office/drawing/2014/main" id="{7F99F6B6-74A7-B26C-F683-A4CBF8BAF7AB}"/>
+              </a:ext>
+            </a:extLst>
+          </p:cNvPr>
+          <p:cNvSpPr>
+            <a:spLocks noGrp="1"/>
+          </p:cNvSpPr>
+          <p:nvPr>
+            <p:ph idx="1"/>
+          </p:nvPr>
+        </p:nvSpPr>
+        <p:spPr/>
+        <p:txBody>
+          <a:bodyPr/>
+          <a:lstStyle/>
+          <a:p>
+            <a:r>
+              <a:rPr lang="en-US" dirty="0"/>
+              <a:t>Associates: 	Good Survey, Basic Skills</a:t>
+            </a:r>
+          </a:p>
+          <a:p>
+            <a:r>
+              <a:rPr lang="en-US" dirty="0"/>
+              <a:t>Bachelors:	Contextualize, Bigger Picture, Critical Thought</a:t>
+            </a:r>
+          </a:p>
+          <a:p>
+            <a:r>
+              <a:rPr lang="en-US" dirty="0"/>
+              <a:t>Masters:		Research, Less Application, </a:t>
+            </a:r>
+          </a:p>
+          <a:p>
+            <a:r>
+              <a:rPr lang="en-US" dirty="0"/>
+              <a:t>Doctorate:	Specialized, Narrow, Create New Research</a:t>
+            </a:r>
+          </a:p>
+          <a:p>
+            <a:endParaRPr lang="en-US" dirty="0"/>
+          </a:p>
+          <a:p>
+            <a:endParaRPr lang="en-US" dirty="0"/>
+          </a:p>
+        </p:txBody>
+      </p:sp>
+    </p:spTree>
+    <p:extLst>
+      <p:ext uri="{BB962C8B-B14F-4D97-AF65-F5344CB8AC3E}">
+        <p14:creationId xmlns:p14="http://schemas.microsoft.com/office/powerpoint/2010/main" val="2742798046"/>
+      </p:ext>
+    </p:extLst>
+  </p:cSld>
+  <p:clrMapOvr>
+    <a:masterClrMapping/>
+  </p:clrMapOvr>
+</p:sld>
+</file>
+
+<file path=ppt/slides/slide17.xml><?xml version="1.0" encoding="utf-8"?>
+<p:sld xmlns:a="http://schemas.openxmlformats.org/drawingml/2006/main" xmlns:r="http://schemas.openxmlformats.org/officeDocument/2006/relationships" xmlns:p="http://schemas.openxmlformats.org/presentationml/2006/main">
+  <p:cSld>
+    <p:spTree>
+      <p:nvGrpSpPr>
+        <p:cNvPr id="1" name=""/>
+        <p:cNvGrpSpPr/>
+        <p:nvPr/>
+      </p:nvGrpSpPr>
+      <p:grpSpPr>
+        <a:xfrm>
+          <a:off x="0" y="0"/>
+          <a:ext cx="0" cy="0"/>
+          <a:chOff x="0" y="0"/>
+          <a:chExt cx="0" cy="0"/>
+        </a:xfrm>
+      </p:grpSpPr>
+      <p:sp>
+        <p:nvSpPr>
+          <p:cNvPr id="2" name="Title 1">
+            <a:extLst>
+              <a:ext uri="{FF2B5EF4-FFF2-40B4-BE49-F238E27FC236}">
+                <a16:creationId xmlns:a16="http://schemas.microsoft.com/office/drawing/2014/main" id="{F37118A6-7CB4-E51E-5C84-E9B7EFB8230E}"/>
+              </a:ext>
+            </a:extLst>
+          </p:cNvPr>
+          <p:cNvSpPr>
+            <a:spLocks noGrp="1"/>
+          </p:cNvSpPr>
+          <p:nvPr>
+            <p:ph type="title"/>
+          </p:nvPr>
+        </p:nvSpPr>
+        <p:spPr/>
+        <p:txBody>
+          <a:bodyPr/>
+          <a:lstStyle/>
+          <a:p>
+            <a:r>
+              <a:rPr lang="en-US" dirty="0"/>
+              <a:t>Use AI (Paid is Better)</a:t>
+            </a:r>
+            <a:br>
+              <a:rPr lang="en-US" dirty="0"/>
+            </a:br>
+            <a:r>
+              <a:rPr lang="en-US" sz="2000" i="1" dirty="0"/>
+              <a:t>(Follow Organization Policies &amp; Rules)</a:t>
+            </a:r>
+          </a:p>
+        </p:txBody>
+      </p:sp>
+      <p:sp>
+        <p:nvSpPr>
+          <p:cNvPr id="3" name="Content Placeholder 2">
+            <a:extLst>
+              <a:ext uri="{FF2B5EF4-FFF2-40B4-BE49-F238E27FC236}">
+                <a16:creationId xmlns:a16="http://schemas.microsoft.com/office/drawing/2014/main" id="{7F99F6B6-74A7-B26C-F683-A4CBF8BAF7AB}"/>
+              </a:ext>
+            </a:extLst>
+          </p:cNvPr>
+          <p:cNvSpPr>
+            <a:spLocks noGrp="1"/>
+          </p:cNvSpPr>
+          <p:nvPr>
+            <p:ph idx="1"/>
+          </p:nvPr>
+        </p:nvSpPr>
+        <p:spPr/>
+        <p:txBody>
+          <a:bodyPr/>
+          <a:lstStyle/>
+          <a:p>
+            <a:r>
+              <a:rPr lang="en-US" dirty="0"/>
+              <a:t>Perplexity : Solid Research</a:t>
+            </a:r>
+          </a:p>
+          <a:p>
+            <a:r>
+              <a:rPr lang="en-US" dirty="0"/>
+              <a:t>Copilot : Most proven &amp; trusted from a security and control perspective by organizations – programming code integration.</a:t>
+            </a:r>
+          </a:p>
+          <a:p>
+            <a:r>
+              <a:rPr lang="en-US" dirty="0"/>
+              <a:t>ChatGPT : Good Balanced, Complete</a:t>
+            </a:r>
+          </a:p>
+          <a:p>
+            <a:r>
+              <a:rPr lang="en-US" dirty="0"/>
+              <a:t>Claude : Writing</a:t>
+            </a:r>
+          </a:p>
+          <a:p>
+            <a:r>
+              <a:rPr lang="en-US" dirty="0"/>
+              <a:t>Napkin : Graphics</a:t>
+            </a:r>
+          </a:p>
+        </p:txBody>
+      </p:sp>
+    </p:spTree>
+    <p:extLst>
+      <p:ext uri="{BB962C8B-B14F-4D97-AF65-F5344CB8AC3E}">
+        <p14:creationId xmlns:p14="http://schemas.microsoft.com/office/powerpoint/2010/main" val="482412931"/>
+      </p:ext>
+    </p:extLst>
+  </p:cSld>
+  <p:clrMapOvr>
+    <a:masterClrMapping/>
+  </p:clrMapOvr>
+</p:sld>
+</file>
+
+<file path=ppt/slides/slide18.xml><?xml version="1.0" encoding="utf-8"?>
+<p:sld xmlns:a="http://schemas.openxmlformats.org/drawingml/2006/main" xmlns:r="http://schemas.openxmlformats.org/officeDocument/2006/relationships" xmlns:p="http://schemas.openxmlformats.org/presentationml/2006/main">
+  <p:cSld>
+    <p:spTree>
+      <p:nvGrpSpPr>
+        <p:cNvPr id="1" name=""/>
+        <p:cNvGrpSpPr/>
+        <p:nvPr/>
+      </p:nvGrpSpPr>
+      <p:grpSpPr>
+        <a:xfrm>
+          <a:off x="0" y="0"/>
+          <a:ext cx="0" cy="0"/>
+          <a:chOff x="0" y="0"/>
+          <a:chExt cx="0" cy="0"/>
+        </a:xfrm>
+      </p:grpSpPr>
+      <p:sp>
+        <p:nvSpPr>
+          <p:cNvPr id="2" name="Title 1">
+            <a:extLst>
+              <a:ext uri="{FF2B5EF4-FFF2-40B4-BE49-F238E27FC236}">
                 <a16:creationId xmlns:a16="http://schemas.microsoft.com/office/drawing/2014/main" id="{C3354A50-5467-2976-F75D-B2BBD5E8327A}"/>
               </a:ext>
             </a:extLst>
@@ -3793,7 +4399,7 @@
           <a:p>
             <a:r>
               <a:rPr lang="en-US" dirty="0"/>
-              <a:t>Prompts to Try:</a:t>
+              <a:t>Study Prompt to Try in AI:</a:t>
             </a:r>
           </a:p>
         </p:txBody>
@@ -3816,22 +4422,31 @@
         </p:nvSpPr>
         <p:spPr/>
         <p:txBody>
-          <a:bodyPr/>
-          <a:lstStyle/>
-          <a:p>
-            <a:r>
-              <a:rPr lang="en-US" dirty="0"/>
-              <a:t>“I am preparing for the A+ exam. I need twenty questions, presented one at a time, similar to what I would find on the exam. They must cover the first three domains. After I answer all of the questions provide me a score, show me correct and incorrect answers, with study areas, including YouTube where I am weak.”</a:t>
-            </a:r>
-          </a:p>
-          <a:p>
-            <a:r>
-              <a:rPr lang="en-US" dirty="0"/>
-              <a:t>“Give me a source or citation that proves this.”</a:t>
-            </a:r>
-          </a:p>
-          <a:p>
-            <a:endParaRPr lang="en-US" dirty="0"/>
+          <a:bodyPr>
+            <a:normAutofit fontScale="92500" lnSpcReduction="20000"/>
+          </a:bodyPr>
+          <a:lstStyle/>
+          <a:p>
+            <a:r>
+              <a:rPr lang="en-US" dirty="0"/>
+              <a:t>“I am preparing for the ______ exam. I need twenty questions, presented one at a time, similar to what I would find on the most recent exam. I want to review all of the content. After I answer all of the questions provide me a score, show me correct and incorrect answers, with study areas, including YouTube where I am weak. Quality is important and all questions must be verified with reliable and cited sources.”</a:t>
+            </a:r>
+          </a:p>
+          <a:p>
+            <a:r>
+              <a:rPr lang="en-US" dirty="0"/>
+              <a:t>Review blogs, forums, reviews and experiences of recent test takers. Tell me areas that people have reported to be difficult and create a study guide for these topics.</a:t>
+            </a:r>
+            <a:br>
+              <a:rPr lang="en-US" dirty="0"/>
+            </a:br>
+            <a:br>
+              <a:rPr lang="en-US" dirty="0"/>
+            </a:br>
+            <a:r>
+              <a:rPr lang="en-US" dirty="0"/>
+              <a:t>Note: Add specific domains, topics, etc. you’d like to be presented in a session.</a:t>
+            </a:r>
           </a:p>
         </p:txBody>
       </p:sp>
@@ -3853,7 +4468,13 @@
   <p:cSld>
     <p:spTree>
       <p:nvGrpSpPr>
-        <p:cNvPr id="1" name=""/>
+        <p:cNvPr id="1" name="">
+          <a:extLst>
+            <a:ext uri="{FF2B5EF4-FFF2-40B4-BE49-F238E27FC236}">
+              <a16:creationId xmlns:a16="http://schemas.microsoft.com/office/drawing/2014/main" id="{AEBF65AE-8988-6D98-BC7D-D23BA960065C}"/>
+            </a:ext>
+          </a:extLst>
+        </p:cNvPr>
         <p:cNvGrpSpPr/>
         <p:nvPr/>
       </p:nvGrpSpPr>
@@ -3870,7 +4491,7 @@
           <p:cNvPr id="2" name="Title 1">
             <a:extLst>
               <a:ext uri="{FF2B5EF4-FFF2-40B4-BE49-F238E27FC236}">
-                <a16:creationId xmlns:a16="http://schemas.microsoft.com/office/drawing/2014/main" id="{FC63DA70-0616-1AFE-5416-813E5B71ECEA}"/>
+                <a16:creationId xmlns:a16="http://schemas.microsoft.com/office/drawing/2014/main" id="{F240B8B0-1847-8577-2104-A3C5272EEBD1}"/>
               </a:ext>
             </a:extLst>
           </p:cNvPr>
@@ -3888,7 +4509,7 @@
           <a:p>
             <a:r>
               <a:rPr lang="en-US" dirty="0"/>
-              <a:t>Company Values</a:t>
+              <a:t>About This Deck</a:t>
             </a:r>
           </a:p>
         </p:txBody>
@@ -3898,7 +4519,7 @@
           <p:cNvPr id="3" name="Content Placeholder 2">
             <a:extLst>
               <a:ext uri="{FF2B5EF4-FFF2-40B4-BE49-F238E27FC236}">
-                <a16:creationId xmlns:a16="http://schemas.microsoft.com/office/drawing/2014/main" id="{B358129D-5483-AAF8-BC9E-2943947D55FD}"/>
+                <a16:creationId xmlns:a16="http://schemas.microsoft.com/office/drawing/2014/main" id="{0D73CCE5-0F9A-172A-923C-41ECCC18D910}"/>
               </a:ext>
             </a:extLst>
           </p:cNvPr>
@@ -3909,9 +4530,16 @@
             <p:ph idx="1"/>
           </p:nvPr>
         </p:nvSpPr>
-        <p:spPr/>
-        <p:txBody>
-          <a:bodyPr/>
+        <p:spPr>
+          <a:xfrm>
+            <a:off x="838200" y="1425677"/>
+            <a:ext cx="10515600" cy="4751286"/>
+          </a:xfrm>
+        </p:spPr>
+        <p:txBody>
+          <a:bodyPr>
+            <a:normAutofit fontScale="92500" lnSpcReduction="20000"/>
+          </a:bodyPr>
           <a:lstStyle/>
           <a:p>
             <a:pPr marL="0" indent="0">
@@ -3923,52 +4551,110 @@
                 <a:latin typeface="Varela Round" panose="00000500000000000000" pitchFamily="2" charset="-79"/>
                 <a:cs typeface="Varela Round" panose="00000500000000000000" pitchFamily="2" charset="-79"/>
               </a:rPr>
-              <a:t>My business value statements are simple:</a:t>
-            </a:r>
-            <a:br>
-              <a:rPr lang="en-US" dirty="0"/>
-            </a:br>
-            <a:r>
-              <a:rPr lang="en-US" b="0" i="0" dirty="0">
-                <a:effectLst/>
+              <a:t>100% my opinions, nothing in here is factual or absolute.</a:t>
+            </a:r>
+          </a:p>
+          <a:p>
+            <a:pPr marL="0" indent="0">
+              <a:buNone/>
+            </a:pPr>
+            <a:r>
+              <a:rPr lang="en-US" dirty="0">
                 <a:latin typeface="Varela Round" panose="00000500000000000000" pitchFamily="2" charset="-79"/>
                 <a:cs typeface="Varela Round" panose="00000500000000000000" pitchFamily="2" charset="-79"/>
               </a:rPr>
-              <a:t>Action &gt; Words</a:t>
-            </a:r>
-            <a:br>
-              <a:rPr lang="en-US" dirty="0"/>
-            </a:br>
-            <a:r>
-              <a:rPr lang="en-US" b="0" i="0" dirty="0">
-                <a:effectLst/>
+              <a:t>No one endorses, or has reviewed, these thoughts.</a:t>
+            </a:r>
+          </a:p>
+          <a:p>
+            <a:pPr marL="0" indent="0">
+              <a:buNone/>
+            </a:pPr>
+            <a:r>
+              <a:rPr lang="en-US" dirty="0">
                 <a:latin typeface="Varela Round" panose="00000500000000000000" pitchFamily="2" charset="-79"/>
                 <a:cs typeface="Varela Round" panose="00000500000000000000" pitchFamily="2" charset="-79"/>
               </a:rPr>
-              <a:t>Honesty &gt; Flattery</a:t>
-            </a:r>
-            <a:br>
-              <a:rPr lang="en-US" dirty="0"/>
-            </a:br>
-            <a:r>
-              <a:rPr lang="en-US" b="0" i="0" dirty="0">
-                <a:effectLst/>
+              <a:t>It kind of rambles, very much a raw – shoot from the hip.</a:t>
+            </a:r>
+          </a:p>
+          <a:p>
+            <a:pPr marL="0" indent="0">
+              <a:buNone/>
+            </a:pPr>
+            <a:endParaRPr lang="en-US" b="0" i="0" dirty="0">
+              <a:effectLst/>
+              <a:latin typeface="Varela Round" panose="00000500000000000000" pitchFamily="2" charset="-79"/>
+              <a:cs typeface="Varela Round" panose="00000500000000000000" pitchFamily="2" charset="-79"/>
+            </a:endParaRPr>
+          </a:p>
+          <a:p>
+            <a:pPr marL="0" indent="0">
+              <a:buNone/>
+            </a:pPr>
+            <a:r>
+              <a:rPr lang="en-US" dirty="0">
                 <a:latin typeface="Varela Round" panose="00000500000000000000" pitchFamily="2" charset="-79"/>
                 <a:cs typeface="Varela Round" panose="00000500000000000000" pitchFamily="2" charset="-79"/>
               </a:rPr>
-              <a:t>Impact &gt; Value</a:t>
-            </a:r>
-            <a:br>
-              <a:rPr lang="en-US" dirty="0"/>
-            </a:br>
-            <a:r>
-              <a:rPr lang="en-US" b="0" i="0" dirty="0">
-                <a:effectLst/>
+              <a:t>These thoughts were first drafted around 2020 and have been refined a few times since. Many have been shared in one off bites here or there and you’ve probably heard most before.</a:t>
+            </a:r>
+          </a:p>
+          <a:p>
+            <a:pPr marL="0" indent="0">
+              <a:buNone/>
+            </a:pPr>
+            <a:endParaRPr lang="en-US" b="0" i="0" dirty="0">
+              <a:effectLst/>
+              <a:latin typeface="Varela Round" panose="00000500000000000000" pitchFamily="2" charset="-79"/>
+              <a:cs typeface="Varela Round" panose="00000500000000000000" pitchFamily="2" charset="-79"/>
+            </a:endParaRPr>
+          </a:p>
+          <a:p>
+            <a:pPr marL="0" indent="0">
+              <a:buNone/>
+            </a:pPr>
+            <a:r>
+              <a:rPr lang="en-US" dirty="0">
                 <a:latin typeface="Varela Round" panose="00000500000000000000" pitchFamily="2" charset="-79"/>
                 <a:cs typeface="Varela Round" panose="00000500000000000000" pitchFamily="2" charset="-79"/>
               </a:rPr>
-              <a:t>Tenacity &gt; Laurels</a:t>
-            </a:r>
+              <a:t>Although this is what I wish I knew when I was younger, the list continues to evolve. Every day I learn, or learn from, something. </a:t>
+            </a:r>
+          </a:p>
+          <a:p>
+            <a:pPr marL="0" indent="0">
+              <a:buNone/>
+            </a:pPr>
+            <a:endParaRPr lang="en-US" dirty="0">
+              <a:latin typeface="Varela Round" panose="00000500000000000000" pitchFamily="2" charset="-79"/>
+              <a:cs typeface="Varela Round" panose="00000500000000000000" pitchFamily="2" charset="-79"/>
+            </a:endParaRPr>
+          </a:p>
+          <a:p>
+            <a:pPr marL="0" indent="0">
+              <a:buNone/>
+            </a:pPr>
+            <a:r>
+              <a:rPr lang="en-US" dirty="0">
+                <a:latin typeface="Varela Round" panose="00000500000000000000" pitchFamily="2" charset="-79"/>
+                <a:cs typeface="Varela Round" panose="00000500000000000000" pitchFamily="2" charset="-79"/>
+              </a:rPr>
+              <a:t>Watch for future refinements. </a:t>
+            </a:r>
+            <a:r>
+              <a:rPr lang="en-US" dirty="0">
+                <a:latin typeface="Varela Round" panose="00000500000000000000" pitchFamily="2" charset="-79"/>
+                <a:cs typeface="Varela Round" panose="00000500000000000000" pitchFamily="2" charset="-79"/>
+                <a:sym typeface="Wingdings" panose="05000000000000000000" pitchFamily="2" charset="2"/>
+              </a:rPr>
+              <a:t></a:t>
+            </a:r>
+            <a:endParaRPr lang="en-US" b="0" i="0" dirty="0">
+              <a:effectLst/>
+              <a:latin typeface="Varela Round" panose="00000500000000000000" pitchFamily="2" charset="-79"/>
+              <a:cs typeface="Varela Round" panose="00000500000000000000" pitchFamily="2" charset="-79"/>
+            </a:endParaRPr>
           </a:p>
           <a:p>
             <a:pPr marL="0" indent="0">
@@ -3981,7 +4667,7 @@
     </p:spTree>
     <p:extLst>
       <p:ext uri="{BB962C8B-B14F-4D97-AF65-F5344CB8AC3E}">
-        <p14:creationId xmlns:p14="http://schemas.microsoft.com/office/powerpoint/2010/main" val="253011877"/>
+        <p14:creationId xmlns:p14="http://schemas.microsoft.com/office/powerpoint/2010/main" val="925958310"/>
       </p:ext>
     </p:extLst>
   </p:cSld>
@@ -4013,7 +4699,7 @@
           <p:cNvPr id="2" name="Title 1">
             <a:extLst>
               <a:ext uri="{FF2B5EF4-FFF2-40B4-BE49-F238E27FC236}">
-                <a16:creationId xmlns:a16="http://schemas.microsoft.com/office/drawing/2014/main" id="{F1D5D6CA-8B50-B668-8B71-FE9667BE7E27}"/>
+                <a16:creationId xmlns:a16="http://schemas.microsoft.com/office/drawing/2014/main" id="{FC63DA70-0616-1AFE-5416-813E5B71ECEA}"/>
               </a:ext>
             </a:extLst>
           </p:cNvPr>
@@ -4031,7 +4717,7 @@
           <a:p>
             <a:r>
               <a:rPr lang="en-US" dirty="0"/>
-              <a:t>Wealth</a:t>
+              <a:t>My Values</a:t>
             </a:r>
           </a:p>
         </p:txBody>
@@ -4041,7 +4727,7 @@
           <p:cNvPr id="3" name="Content Placeholder 2">
             <a:extLst>
               <a:ext uri="{FF2B5EF4-FFF2-40B4-BE49-F238E27FC236}">
-                <a16:creationId xmlns:a16="http://schemas.microsoft.com/office/drawing/2014/main" id="{C07F5EDE-E1AE-9620-C147-DE442BAA2319}"/>
+                <a16:creationId xmlns:a16="http://schemas.microsoft.com/office/drawing/2014/main" id="{B358129D-5483-AAF8-BC9E-2943947D55FD}"/>
               </a:ext>
             </a:extLst>
           </p:cNvPr>
@@ -4057,29 +4743,67 @@
           <a:bodyPr/>
           <a:lstStyle/>
           <a:p>
-            <a:r>
-              <a:rPr lang="en-US" dirty="0"/>
-              <a:t>Index Funds</a:t>
-            </a:r>
-          </a:p>
-          <a:p>
-            <a:r>
-              <a:rPr lang="en-US" dirty="0"/>
-              <a:t>No Get Quick Rich Means</a:t>
-            </a:r>
-          </a:p>
-          <a:p>
-            <a:r>
-              <a:rPr lang="en-US" dirty="0"/>
-              <a:t>Stability and Time</a:t>
-            </a:r>
+            <a:pPr marL="0" indent="0">
+              <a:buNone/>
+            </a:pPr>
+            <a:r>
+              <a:rPr lang="en-US" b="0" i="0" dirty="0">
+                <a:effectLst/>
+                <a:latin typeface="Varela Round" panose="00000500000000000000" pitchFamily="2" charset="-79"/>
+                <a:cs typeface="Varela Round" panose="00000500000000000000" pitchFamily="2" charset="-79"/>
+              </a:rPr>
+              <a:t>Action &gt; Words</a:t>
+            </a:r>
+            <a:br>
+              <a:rPr lang="en-US" dirty="0"/>
+            </a:br>
+            <a:r>
+              <a:rPr lang="en-US" b="0" i="0" dirty="0">
+                <a:effectLst/>
+                <a:latin typeface="Varela Round" panose="00000500000000000000" pitchFamily="2" charset="-79"/>
+                <a:cs typeface="Varela Round" panose="00000500000000000000" pitchFamily="2" charset="-79"/>
+              </a:rPr>
+              <a:t>Honesty &gt; Flattery</a:t>
+            </a:r>
+            <a:br>
+              <a:rPr lang="en-US" dirty="0"/>
+            </a:br>
+            <a:r>
+              <a:rPr lang="en-US" dirty="0"/>
+              <a:t>D</a:t>
+            </a:r>
+            <a:r>
+              <a:rPr lang="en-US" b="0" i="0" dirty="0">
+                <a:effectLst/>
+                <a:latin typeface="Varela Round" panose="00000500000000000000" pitchFamily="2" charset="-79"/>
+                <a:cs typeface="Varela Round" panose="00000500000000000000" pitchFamily="2" charset="-79"/>
+              </a:rPr>
+              <a:t>elivering Value &gt; Claiming Value</a:t>
+            </a:r>
+            <a:br>
+              <a:rPr lang="en-US" dirty="0"/>
+            </a:br>
+            <a:r>
+              <a:rPr lang="en-US" b="0" i="0" dirty="0">
+                <a:effectLst/>
+                <a:latin typeface="Varela Round" panose="00000500000000000000" pitchFamily="2" charset="-79"/>
+                <a:cs typeface="Varela Round" panose="00000500000000000000" pitchFamily="2" charset="-79"/>
+              </a:rPr>
+              <a:t>Tenacity &gt; Laurels</a:t>
+            </a:r>
+          </a:p>
+          <a:p>
+            <a:pPr marL="0" indent="0">
+              <a:buNone/>
+            </a:pPr>
+            <a:endParaRPr lang="en-US" dirty="0"/>
           </a:p>
         </p:txBody>
       </p:sp>
     </p:spTree>
     <p:extLst>
       <p:ext uri="{BB962C8B-B14F-4D97-AF65-F5344CB8AC3E}">
-        <p14:creationId xmlns:p14="http://schemas.microsoft.com/office/powerpoint/2010/main" val="3525066049"/>
+        <p14:creationId xmlns:p14="http://schemas.microsoft.com/office/powerpoint/2010/main" val="253011877"/>
       </p:ext>
     </p:extLst>
   </p:cSld>
@@ -4111,7 +4835,7 @@
           <p:cNvPr id="2" name="Title 1">
             <a:extLst>
               <a:ext uri="{FF2B5EF4-FFF2-40B4-BE49-F238E27FC236}">
-                <a16:creationId xmlns:a16="http://schemas.microsoft.com/office/drawing/2014/main" id="{F37118A6-7CB4-E51E-5C84-E9B7EFB8230E}"/>
+                <a16:creationId xmlns:a16="http://schemas.microsoft.com/office/drawing/2014/main" id="{F1D5D6CA-8B50-B668-8B71-FE9667BE7E27}"/>
               </a:ext>
             </a:extLst>
           </p:cNvPr>
@@ -4129,7 +4853,7 @@
           <a:p>
             <a:r>
               <a:rPr lang="en-US" dirty="0"/>
-              <a:t>Workplace</a:t>
+              <a:t>Wealth</a:t>
             </a:r>
           </a:p>
         </p:txBody>
@@ -4139,7 +4863,7 @@
           <p:cNvPr id="3" name="Content Placeholder 2">
             <a:extLst>
               <a:ext uri="{FF2B5EF4-FFF2-40B4-BE49-F238E27FC236}">
-                <a16:creationId xmlns:a16="http://schemas.microsoft.com/office/drawing/2014/main" id="{7F99F6B6-74A7-B26C-F683-A4CBF8BAF7AB}"/>
+                <a16:creationId xmlns:a16="http://schemas.microsoft.com/office/drawing/2014/main" id="{C07F5EDE-E1AE-9620-C147-DE442BAA2319}"/>
               </a:ext>
             </a:extLst>
           </p:cNvPr>
@@ -4157,33 +4881,27 @@
           <a:p>
             <a:r>
               <a:rPr lang="en-US" dirty="0"/>
-              <a:t>Don’t Wait for Unicorns</a:t>
-            </a:r>
-          </a:p>
-          <a:p>
-            <a:r>
-              <a:rPr lang="en-US" dirty="0"/>
-              <a:t>Being “shit on” is different than being shit, is different than being abused.</a:t>
-            </a:r>
-          </a:p>
-          <a:p>
-            <a:r>
-              <a:rPr lang="en-US" dirty="0"/>
-              <a:t>Credibility and Reputation – years to build, moments to crush.</a:t>
-            </a:r>
-          </a:p>
-          <a:p>
-            <a:endParaRPr lang="en-US" dirty="0"/>
-          </a:p>
-          <a:p>
-            <a:endParaRPr lang="en-US" dirty="0"/>
+              <a:t>Index Funds – Seem “Boring”, but “Boring” and consistent can win.</a:t>
+            </a:r>
+          </a:p>
+          <a:p>
+            <a:r>
+              <a:rPr lang="en-US" dirty="0"/>
+              <a:t>There is No Get Quick Rich Means</a:t>
+            </a:r>
+          </a:p>
+          <a:p>
+            <a:r>
+              <a:rPr lang="en-US" dirty="0"/>
+              <a:t>Stability and Time Win</a:t>
+            </a:r>
           </a:p>
         </p:txBody>
       </p:sp>
     </p:spTree>
     <p:extLst>
       <p:ext uri="{BB962C8B-B14F-4D97-AF65-F5344CB8AC3E}">
-        <p14:creationId xmlns:p14="http://schemas.microsoft.com/office/powerpoint/2010/main" val="978392046"/>
+        <p14:creationId xmlns:p14="http://schemas.microsoft.com/office/powerpoint/2010/main" val="3525066049"/>
       </p:ext>
     </p:extLst>
   </p:cSld>
@@ -4233,7 +4951,7 @@
           <a:p>
             <a:r>
               <a:rPr lang="en-US" dirty="0"/>
-              <a:t>Know Technology</a:t>
+              <a:t>Workplace</a:t>
             </a:r>
           </a:p>
         </p:txBody>
@@ -4261,21 +4979,40 @@
           <a:p>
             <a:r>
               <a:rPr lang="en-US" dirty="0"/>
-              <a:t>More importantly know how it is used.</a:t>
-            </a:r>
-          </a:p>
-          <a:p>
-            <a:r>
-              <a:rPr lang="en-US" dirty="0"/>
-              <a:t>Be aware of why it is being used.</a:t>
-            </a:r>
+              <a:t>Don’t Wait for Unicorns – nothing will always be PERFECT.</a:t>
+            </a:r>
+          </a:p>
+          <a:p>
+            <a:r>
+              <a:rPr lang="en-US" dirty="0"/>
+              <a:t>Being “shit on” is different than being shit.</a:t>
+            </a:r>
+          </a:p>
+          <a:p>
+            <a:pPr lvl="1"/>
+            <a:r>
+              <a:rPr lang="en-US" dirty="0"/>
+              <a:t>Consistently having one or the other is toxic. – Exit! </a:t>
+            </a:r>
+          </a:p>
+          <a:p>
+            <a:r>
+              <a:rPr lang="en-US" dirty="0"/>
+              <a:t>Credibility and Reputation – years to build, moments to crush.</a:t>
+            </a:r>
+          </a:p>
+          <a:p>
+            <a:endParaRPr lang="en-US" dirty="0"/>
+          </a:p>
+          <a:p>
+            <a:endParaRPr lang="en-US" dirty="0"/>
           </a:p>
         </p:txBody>
       </p:sp>
     </p:spTree>
     <p:extLst>
       <p:ext uri="{BB962C8B-B14F-4D97-AF65-F5344CB8AC3E}">
-        <p14:creationId xmlns:p14="http://schemas.microsoft.com/office/powerpoint/2010/main" val="1366024812"/>
+        <p14:creationId xmlns:p14="http://schemas.microsoft.com/office/powerpoint/2010/main" val="978392046"/>
       </p:ext>
     </p:extLst>
   </p:cSld>
@@ -4325,7 +5062,7 @@
           <a:p>
             <a:r>
               <a:rPr lang="en-US" dirty="0"/>
-              <a:t>Use Your Voice</a:t>
+              <a:t>Know Technology</a:t>
             </a:r>
           </a:p>
         </p:txBody>
@@ -4353,13 +5090,19 @@
           <a:p>
             <a:r>
               <a:rPr lang="en-US" dirty="0"/>
-              <a:t>Speak Up</a:t>
-            </a:r>
-          </a:p>
-          <a:p>
-            <a:r>
-              <a:rPr lang="en-US" dirty="0"/>
-              <a:t>Know When to Shut Up</a:t>
+              <a:t>Know how it is used.</a:t>
+            </a:r>
+          </a:p>
+          <a:p>
+            <a:r>
+              <a:rPr lang="en-US" dirty="0"/>
+              <a:t>More importantly know why it is being used.</a:t>
+            </a:r>
+          </a:p>
+          <a:p>
+            <a:r>
+              <a:rPr lang="en-US" dirty="0"/>
+              <a:t>Tech is cool when it has a purpose or solves a problem.</a:t>
             </a:r>
           </a:p>
         </p:txBody>
@@ -4367,7 +5110,7 @@
     </p:spTree>
     <p:extLst>
       <p:ext uri="{BB962C8B-B14F-4D97-AF65-F5344CB8AC3E}">
-        <p14:creationId xmlns:p14="http://schemas.microsoft.com/office/powerpoint/2010/main" val="1573875399"/>
+        <p14:creationId xmlns:p14="http://schemas.microsoft.com/office/powerpoint/2010/main" val="1366024812"/>
       </p:ext>
     </p:extLst>
   </p:cSld>
@@ -4417,7 +5160,7 @@
           <a:p>
             <a:r>
               <a:rPr lang="en-US" dirty="0"/>
-              <a:t>Adaptability</a:t>
+              <a:t>Use Your Voice</a:t>
             </a:r>
           </a:p>
         </p:txBody>
@@ -4445,19 +5188,19 @@
           <a:p>
             <a:r>
               <a:rPr lang="en-US" dirty="0"/>
-              <a:t>Being the smartest person in the room is pointless if you’re the only one who knows it and you constantly tell everyone else.</a:t>
-            </a:r>
-          </a:p>
-          <a:p>
-            <a:r>
-              <a:rPr lang="en-US" dirty="0"/>
-              <a:t>Read what’s going on around you and respond to the vibe.</a:t>
-            </a:r>
-          </a:p>
-          <a:p>
-            <a:r>
-              <a:rPr lang="en-US" dirty="0"/>
-              <a:t>Be adaptable, shift your schedule your bias, your belief, etc.</a:t>
+              <a:t>Speak Up</a:t>
+            </a:r>
+          </a:p>
+          <a:p>
+            <a:r>
+              <a:rPr lang="en-US" dirty="0"/>
+              <a:t>Know When to Shut Up</a:t>
+            </a:r>
+          </a:p>
+          <a:p>
+            <a:r>
+              <a:rPr lang="en-US" dirty="0"/>
+              <a:t>Don’t Pontificate</a:t>
             </a:r>
           </a:p>
         </p:txBody>
@@ -4465,7 +5208,7 @@
     </p:spTree>
     <p:extLst>
       <p:ext uri="{BB962C8B-B14F-4D97-AF65-F5344CB8AC3E}">
-        <p14:creationId xmlns:p14="http://schemas.microsoft.com/office/powerpoint/2010/main" val="3901884574"/>
+        <p14:creationId xmlns:p14="http://schemas.microsoft.com/office/powerpoint/2010/main" val="1573875399"/>
       </p:ext>
     </p:extLst>
   </p:cSld>
@@ -4480,7 +5223,13 @@
   <p:cSld>
     <p:spTree>
       <p:nvGrpSpPr>
-        <p:cNvPr id="1" name=""/>
+        <p:cNvPr id="1" name="">
+          <a:extLst>
+            <a:ext uri="{FF2B5EF4-FFF2-40B4-BE49-F238E27FC236}">
+              <a16:creationId xmlns:a16="http://schemas.microsoft.com/office/drawing/2014/main" id="{A395DC36-0702-21A9-FB4D-5FF7563F95E9}"/>
+            </a:ext>
+          </a:extLst>
+        </p:cNvPr>
         <p:cNvGrpSpPr/>
         <p:nvPr/>
       </p:nvGrpSpPr>
@@ -4497,7 +5246,7 @@
           <p:cNvPr id="2" name="Title 1">
             <a:extLst>
               <a:ext uri="{FF2B5EF4-FFF2-40B4-BE49-F238E27FC236}">
-                <a16:creationId xmlns:a16="http://schemas.microsoft.com/office/drawing/2014/main" id="{F37118A6-7CB4-E51E-5C84-E9B7EFB8230E}"/>
+                <a16:creationId xmlns:a16="http://schemas.microsoft.com/office/drawing/2014/main" id="{4C3942C4-C10A-ECA8-F326-2FCB2951F3AC}"/>
               </a:ext>
             </a:extLst>
           </p:cNvPr>
@@ -4515,7 +5264,7 @@
           <a:p>
             <a:r>
               <a:rPr lang="en-US" dirty="0"/>
-              <a:t>Do:</a:t>
+              <a:t>At The Table?</a:t>
             </a:r>
           </a:p>
         </p:txBody>
@@ -4525,7 +5274,7 @@
           <p:cNvPr id="3" name="Content Placeholder 2">
             <a:extLst>
               <a:ext uri="{FF2B5EF4-FFF2-40B4-BE49-F238E27FC236}">
-                <a16:creationId xmlns:a16="http://schemas.microsoft.com/office/drawing/2014/main" id="{7F99F6B6-74A7-B26C-F683-A4CBF8BAF7AB}"/>
+                <a16:creationId xmlns:a16="http://schemas.microsoft.com/office/drawing/2014/main" id="{918F04D3-2A5F-A587-E1CB-4058B00D9CBA}"/>
               </a:ext>
             </a:extLst>
           </p:cNvPr>
@@ -4543,60 +5292,33 @@
           <a:p>
             <a:r>
               <a:rPr lang="en-US" dirty="0"/>
-              <a:t>Learn (formal and informal)</a:t>
-            </a:r>
-          </a:p>
-          <a:p>
-            <a:r>
-              <a:rPr lang="en-US" dirty="0"/>
-              <a:t>Participate (local events, cons &amp; Meetups)</a:t>
-            </a:r>
-          </a:p>
-          <a:p>
-            <a:r>
-              <a:rPr lang="en-US" dirty="0"/>
-              <a:t>Experiment and Try Things (in a safe manner)</a:t>
-            </a:r>
-          </a:p>
-          <a:p>
-            <a:r>
-              <a:rPr lang="en-US" dirty="0"/>
-              <a:t>Be transparent about what you’re doing:</a:t>
-            </a:r>
-          </a:p>
-          <a:p>
-            <a:pPr lvl="1"/>
-            <a:r>
-              <a:rPr lang="en-US" dirty="0"/>
-              <a:t>LinkedIn</a:t>
-            </a:r>
-          </a:p>
-          <a:p>
-            <a:pPr lvl="1"/>
-            <a:r>
-              <a:rPr lang="en-US" dirty="0" err="1"/>
-              <a:t>Github</a:t>
-            </a:r>
-            <a:endParaRPr lang="en-US" dirty="0"/>
-          </a:p>
-          <a:p>
-            <a:r>
-              <a:rPr lang="en-US" dirty="0"/>
-              <a:t>Compete – Cyber Defense Club, but also outside CTF</a:t>
-            </a:r>
-          </a:p>
-          <a:p>
-            <a:endParaRPr lang="en-US" dirty="0"/>
-          </a:p>
-          <a:p>
-            <a:endParaRPr lang="en-US" dirty="0"/>
+              <a:t>You were brought to the table, to the job role, to the meeting for a reason. It wasn’t by chance.</a:t>
+            </a:r>
+          </a:p>
+          <a:p>
+            <a:r>
+              <a:rPr lang="en-US" dirty="0"/>
+              <a:t>Know you are valued and appreciated.</a:t>
+            </a:r>
+          </a:p>
+          <a:p>
+            <a:r>
+              <a:rPr lang="en-US" dirty="0"/>
+              <a:t>Never be intimidated by being among those more senior, more experienced, greater wealth, etc. </a:t>
+            </a:r>
+          </a:p>
+          <a:p>
+            <a:r>
+              <a:rPr lang="en-US" dirty="0"/>
+              <a:t>Diversity of voice is a gift, your perspectives are valuable.</a:t>
+            </a:r>
           </a:p>
         </p:txBody>
       </p:sp>
     </p:spTree>
     <p:extLst>
       <p:ext uri="{BB962C8B-B14F-4D97-AF65-F5344CB8AC3E}">
-        <p14:creationId xmlns:p14="http://schemas.microsoft.com/office/powerpoint/2010/main" val="2327544377"/>
+        <p14:creationId xmlns:p14="http://schemas.microsoft.com/office/powerpoint/2010/main" val="2128589223"/>
       </p:ext>
     </p:extLst>
   </p:cSld>
@@ -4611,7 +5333,13 @@
   <p:cSld>
     <p:spTree>
       <p:nvGrpSpPr>
-        <p:cNvPr id="1" name=""/>
+        <p:cNvPr id="1" name="">
+          <a:extLst>
+            <a:ext uri="{FF2B5EF4-FFF2-40B4-BE49-F238E27FC236}">
+              <a16:creationId xmlns:a16="http://schemas.microsoft.com/office/drawing/2014/main" id="{69AAB655-7CD7-5970-CE1C-DADBD5FB9DBE}"/>
+            </a:ext>
+          </a:extLst>
+        </p:cNvPr>
         <p:cNvGrpSpPr/>
         <p:nvPr/>
       </p:nvGrpSpPr>
@@ -4628,7 +5356,7 @@
           <p:cNvPr id="2" name="Title 1">
             <a:extLst>
               <a:ext uri="{FF2B5EF4-FFF2-40B4-BE49-F238E27FC236}">
-                <a16:creationId xmlns:a16="http://schemas.microsoft.com/office/drawing/2014/main" id="{F1BEBFDA-E462-BCDC-BF24-83B7A6326254}"/>
+                <a16:creationId xmlns:a16="http://schemas.microsoft.com/office/drawing/2014/main" id="{730714EB-073A-7CA8-416D-34970DA52D10}"/>
               </a:ext>
             </a:extLst>
           </p:cNvPr>
@@ -4646,7 +5374,7 @@
           <a:p>
             <a:r>
               <a:rPr lang="en-US" dirty="0"/>
-              <a:t>Learning Conferences:</a:t>
+              <a:t>Gratitude</a:t>
             </a:r>
           </a:p>
         </p:txBody>
@@ -4656,7 +5384,7 @@
           <p:cNvPr id="3" name="Content Placeholder 2">
             <a:extLst>
               <a:ext uri="{FF2B5EF4-FFF2-40B4-BE49-F238E27FC236}">
-                <a16:creationId xmlns:a16="http://schemas.microsoft.com/office/drawing/2014/main" id="{026893D2-137A-0694-5E2E-6249A75E5F79}"/>
+                <a16:creationId xmlns:a16="http://schemas.microsoft.com/office/drawing/2014/main" id="{8858AFB4-ACBA-9F9A-84D0-376E1AFF89A1}"/>
               </a:ext>
             </a:extLst>
           </p:cNvPr>
@@ -4674,30 +5402,55 @@
           <a:p>
             <a:r>
               <a:rPr lang="en-US" dirty="0"/>
-              <a:t>Microsoft Ignite (next week)</a:t>
-            </a:r>
-          </a:p>
-          <a:p>
-            <a:r>
-              <a:rPr lang="en-US" dirty="0"/>
-              <a:t>AWS Reinvent</a:t>
-            </a:r>
-          </a:p>
-          <a:p>
-            <a:pPr marL="0" indent="0">
-              <a:buNone/>
-            </a:pPr>
-            <a:endParaRPr lang="en-US" dirty="0"/>
-          </a:p>
-          <a:p>
-            <a:endParaRPr lang="en-US" dirty="0"/>
+              <a:t>Handwritten Thank You’s! </a:t>
+            </a:r>
+          </a:p>
+          <a:p>
+            <a:r>
+              <a:rPr lang="en-US" dirty="0"/>
+              <a:t>Know When to Shut Up</a:t>
+            </a:r>
+          </a:p>
+          <a:p>
+            <a:r>
+              <a:rPr lang="en-US" dirty="0"/>
+              <a:t>Everyone likes a free lunch, including your boss!</a:t>
+            </a:r>
+          </a:p>
+          <a:p>
+            <a:pPr lvl="1"/>
+            <a:r>
+              <a:rPr lang="en-US" dirty="0"/>
+              <a:t>Most people assume managers &amp; leaders will pay.</a:t>
+            </a:r>
+          </a:p>
+          <a:p>
+            <a:pPr lvl="1"/>
+            <a:r>
+              <a:rPr lang="en-US" dirty="0"/>
+              <a:t>Surprise `</a:t>
+            </a:r>
+            <a:r>
+              <a:rPr lang="en-US" dirty="0" err="1"/>
+              <a:t>em</a:t>
+            </a:r>
+            <a:r>
+              <a:rPr lang="en-US" dirty="0"/>
+              <a:t> once in a while, when you meet for a coffee, take care of it.</a:t>
+            </a:r>
+          </a:p>
+          <a:p>
+            <a:r>
+              <a:rPr lang="en-US" dirty="0"/>
+              <a:t>Know who appreciates what types of gifts and expressions of appreciation. Write down and remember things like this.</a:t>
+            </a:r>
           </a:p>
         </p:txBody>
       </p:sp>
     </p:spTree>
     <p:extLst>
       <p:ext uri="{BB962C8B-B14F-4D97-AF65-F5344CB8AC3E}">
-        <p14:creationId xmlns:p14="http://schemas.microsoft.com/office/powerpoint/2010/main" val="3794781896"/>
+        <p14:creationId xmlns:p14="http://schemas.microsoft.com/office/powerpoint/2010/main" val="331592078"/>
       </p:ext>
     </p:extLst>
   </p:cSld>
